--- a/맵자료(청사진,이동동선,기믹요소).pptx
+++ b/맵자료(청사진,이동동선,기믹요소).pptx
@@ -107,6 +107,11 @@
       </a:defRPr>
     </a:lvl9pPr>
   </p:defaultTextStyle>
+  <p:extLst>
+    <p:ext uri="{EFAFB233-063F-42B5-8137-9DF3F51BA10A}">
+      <p15:sldGuideLst xmlns:p15="http://schemas.microsoft.com/office/powerpoint/2012/main"/>
+    </p:ext>
+  </p:extLst>
 </p:presentation>
 </file>
 
@@ -4336,6 +4341,55 @@
           </a:p>
         </p:txBody>
       </p:sp>
+      <p:sp>
+        <p:nvSpPr>
+          <p:cNvPr id="2" name="직사각형 1">
+            <a:extLst>
+              <a:ext uri="{FF2B5EF4-FFF2-40B4-BE49-F238E27FC236}">
+                <a16:creationId xmlns:a16="http://schemas.microsoft.com/office/drawing/2014/main" id="{EC179267-A873-BA14-5BA1-2BFA2BFC4D92}"/>
+              </a:ext>
+            </a:extLst>
+          </p:cNvPr>
+          <p:cNvSpPr/>
+          <p:nvPr/>
+        </p:nvSpPr>
+        <p:spPr>
+          <a:xfrm>
+            <a:off x="8709891" y="-29188"/>
+            <a:ext cx="3482108" cy="742553"/>
+          </a:xfrm>
+          <a:prstGeom prst="rect">
+            <a:avLst/>
+          </a:prstGeom>
+        </p:spPr>
+        <p:style>
+          <a:lnRef idx="2">
+            <a:schemeClr val="accent1">
+              <a:shade val="15000"/>
+            </a:schemeClr>
+          </a:lnRef>
+          <a:fillRef idx="1">
+            <a:schemeClr val="accent1"/>
+          </a:fillRef>
+          <a:effectRef idx="0">
+            <a:schemeClr val="accent1"/>
+          </a:effectRef>
+          <a:fontRef idx="minor">
+            <a:schemeClr val="lt1"/>
+          </a:fontRef>
+        </p:style>
+        <p:txBody>
+          <a:bodyPr rtlCol="0" anchor="ctr"/>
+          <a:lstStyle/>
+          <a:p>
+            <a:pPr algn="ctr"/>
+            <a:r>
+              <a:rPr lang="ko-KR" altLang="en-US"/>
+              <a:t>청사진</a:t>
+            </a:r>
+          </a:p>
+        </p:txBody>
+      </p:sp>
     </p:spTree>
     <p:extLst>
       <p:ext uri="{BB962C8B-B14F-4D97-AF65-F5344CB8AC3E}">
@@ -5855,6 +5909,78 @@
           </a:p>
         </p:txBody>
       </p:sp>
+      <p:sp>
+        <p:nvSpPr>
+          <p:cNvPr id="2" name="직사각형 1">
+            <a:extLst>
+              <a:ext uri="{FF2B5EF4-FFF2-40B4-BE49-F238E27FC236}">
+                <a16:creationId xmlns:a16="http://schemas.microsoft.com/office/drawing/2014/main" id="{DD10393C-8E63-0426-093A-67B498253B78}"/>
+              </a:ext>
+            </a:extLst>
+          </p:cNvPr>
+          <p:cNvSpPr/>
+          <p:nvPr/>
+        </p:nvSpPr>
+        <p:spPr>
+          <a:xfrm>
+            <a:off x="8709891" y="-29188"/>
+            <a:ext cx="3482108" cy="742553"/>
+          </a:xfrm>
+          <a:prstGeom prst="rect">
+            <a:avLst/>
+          </a:prstGeom>
+        </p:spPr>
+        <p:style>
+          <a:lnRef idx="2">
+            <a:schemeClr val="accent1">
+              <a:shade val="15000"/>
+            </a:schemeClr>
+          </a:lnRef>
+          <a:fillRef idx="1">
+            <a:schemeClr val="accent1"/>
+          </a:fillRef>
+          <a:effectRef idx="0">
+            <a:schemeClr val="accent1"/>
+          </a:effectRef>
+          <a:fontRef idx="minor">
+            <a:schemeClr val="lt1"/>
+          </a:fontRef>
+        </p:style>
+        <p:txBody>
+          <a:bodyPr rtlCol="0" anchor="ctr"/>
+          <a:lstStyle/>
+          <a:p>
+            <a:pPr algn="ctr"/>
+            <a:r>
+              <a:rPr lang="ko-KR" altLang="en-US" dirty="0" err="1"/>
+              <a:t>이동동선</a:t>
+            </a:r>
+            <a:r>
+              <a:rPr lang="en-US" altLang="ko-KR" dirty="0"/>
+              <a:t>(</a:t>
+            </a:r>
+            <a:r>
+              <a:rPr lang="ko-KR" altLang="en-US" dirty="0"/>
+              <a:t>번호순</a:t>
+            </a:r>
+            <a:r>
+              <a:rPr lang="en-US" altLang="ko-KR" dirty="0"/>
+              <a:t>)</a:t>
+            </a:r>
+          </a:p>
+          <a:p>
+            <a:pPr algn="ctr"/>
+            <a:r>
+              <a:rPr lang="en-US" altLang="ko-KR" dirty="0"/>
+              <a:t>*5</a:t>
+            </a:r>
+            <a:r>
+              <a:rPr lang="ko-KR" altLang="en-US" dirty="0"/>
+              <a:t>번은 탈출루트</a:t>
+            </a:r>
+          </a:p>
+        </p:txBody>
+      </p:sp>
     </p:spTree>
     <p:extLst>
       <p:ext uri="{BB962C8B-B14F-4D97-AF65-F5344CB8AC3E}">
@@ -6893,6 +7019,59 @@
             <a:r>
               <a:rPr lang="ko-KR" altLang="en-US" sz="1400" dirty="0"/>
               <a:t>입구</a:t>
+            </a:r>
+          </a:p>
+        </p:txBody>
+      </p:sp>
+      <p:sp>
+        <p:nvSpPr>
+          <p:cNvPr id="2" name="직사각형 1">
+            <a:extLst>
+              <a:ext uri="{FF2B5EF4-FFF2-40B4-BE49-F238E27FC236}">
+                <a16:creationId xmlns:a16="http://schemas.microsoft.com/office/drawing/2014/main" id="{8B1B3640-9E63-E245-A8BA-576BD388474A}"/>
+              </a:ext>
+            </a:extLst>
+          </p:cNvPr>
+          <p:cNvSpPr/>
+          <p:nvPr/>
+        </p:nvSpPr>
+        <p:spPr>
+          <a:xfrm>
+            <a:off x="8709891" y="-29188"/>
+            <a:ext cx="3482108" cy="742553"/>
+          </a:xfrm>
+          <a:prstGeom prst="rect">
+            <a:avLst/>
+          </a:prstGeom>
+        </p:spPr>
+        <p:style>
+          <a:lnRef idx="2">
+            <a:schemeClr val="accent1">
+              <a:shade val="15000"/>
+            </a:schemeClr>
+          </a:lnRef>
+          <a:fillRef idx="1">
+            <a:schemeClr val="accent1"/>
+          </a:fillRef>
+          <a:effectRef idx="0">
+            <a:schemeClr val="accent1"/>
+          </a:effectRef>
+          <a:fontRef idx="minor">
+            <a:schemeClr val="lt1"/>
+          </a:fontRef>
+        </p:style>
+        <p:txBody>
+          <a:bodyPr rtlCol="0" anchor="ctr"/>
+          <a:lstStyle/>
+          <a:p>
+            <a:pPr algn="ctr"/>
+            <a:r>
+              <a:rPr lang="ko-KR" altLang="en-US" dirty="0" err="1"/>
+              <a:t>기믹</a:t>
+            </a:r>
+            <a:r>
+              <a:rPr lang="ko-KR" altLang="en-US" dirty="0"/>
+              <a:t> 위치</a:t>
             </a:r>
           </a:p>
         </p:txBody>
